--- a/フローチャート　課題.pptx
+++ b/フローチャート　課題.pptx
@@ -496,7 +496,7 @@
   <p:cSld>
     <p:spTree>
       <p:nvGrpSpPr>
-        <p:cNvPr id="184" name="Shape 184"/>
+        <p:cNvPr id="196" name="Shape 196"/>
         <p:cNvGrpSpPr/>
         <p:nvPr/>
       </p:nvGrpSpPr>
@@ -510,7 +510,7 @@
       </p:grpSpPr>
       <p:sp>
         <p:nvSpPr>
-          <p:cNvPr id="185" name="Shape 185"/>
+          <p:cNvPr id="197" name="Shape 197"/>
           <p:cNvSpPr/>
           <p:nvPr>
             <p:ph idx="2" type="sldImg"/>
@@ -554,7 +554,7 @@
       </p:sp>
       <p:sp>
         <p:nvSpPr>
-          <p:cNvPr id="186" name="Shape 186"/>
+          <p:cNvPr id="198" name="Shape 198"/>
           <p:cNvSpPr txBox="1"/>
           <p:nvPr>
             <p:ph idx="1" type="body"/>
@@ -601,7 +601,7 @@
   <p:cSld>
     <p:spTree>
       <p:nvGrpSpPr>
-        <p:cNvPr id="206" name="Shape 206"/>
+        <p:cNvPr id="218" name="Shape 218"/>
         <p:cNvGrpSpPr/>
         <p:nvPr/>
       </p:nvGrpSpPr>
@@ -615,7 +615,7 @@
       </p:grpSpPr>
       <p:sp>
         <p:nvSpPr>
-          <p:cNvPr id="207" name="Shape 207"/>
+          <p:cNvPr id="219" name="Shape 219"/>
           <p:cNvSpPr/>
           <p:nvPr>
             <p:ph idx="2" type="sldImg"/>
@@ -659,7 +659,7 @@
       </p:sp>
       <p:sp>
         <p:nvSpPr>
-          <p:cNvPr id="208" name="Shape 208"/>
+          <p:cNvPr id="220" name="Shape 220"/>
           <p:cNvSpPr txBox="1"/>
           <p:nvPr>
             <p:ph idx="1" type="body"/>
@@ -706,7 +706,7 @@
   <p:cSld>
     <p:spTree>
       <p:nvGrpSpPr>
-        <p:cNvPr id="226" name="Shape 226"/>
+        <p:cNvPr id="239" name="Shape 239"/>
         <p:cNvGrpSpPr/>
         <p:nvPr/>
       </p:nvGrpSpPr>
@@ -720,7 +720,7 @@
       </p:grpSpPr>
       <p:sp>
         <p:nvSpPr>
-          <p:cNvPr id="227" name="Shape 227"/>
+          <p:cNvPr id="240" name="Shape 240"/>
           <p:cNvSpPr/>
           <p:nvPr>
             <p:ph idx="2" type="sldImg"/>
@@ -764,7 +764,7 @@
       </p:sp>
       <p:sp>
         <p:nvSpPr>
-          <p:cNvPr id="228" name="Shape 228"/>
+          <p:cNvPr id="241" name="Shape 241"/>
           <p:cNvSpPr txBox="1"/>
           <p:nvPr>
             <p:ph idx="1" type="body"/>
@@ -1546,7 +1546,7 @@
   <p:cSld>
     <p:spTree>
       <p:nvGrpSpPr>
-        <p:cNvPr id="163" name="Shape 163"/>
+        <p:cNvPr id="172" name="Shape 172"/>
         <p:cNvGrpSpPr/>
         <p:nvPr/>
       </p:nvGrpSpPr>
@@ -1560,7 +1560,7 @@
       </p:grpSpPr>
       <p:sp>
         <p:nvSpPr>
-          <p:cNvPr id="164" name="Shape 164"/>
+          <p:cNvPr id="173" name="Shape 173"/>
           <p:cNvSpPr/>
           <p:nvPr>
             <p:ph idx="2" type="sldImg"/>
@@ -1604,7 +1604,7 @@
       </p:sp>
       <p:sp>
         <p:nvSpPr>
-          <p:cNvPr id="165" name="Shape 165"/>
+          <p:cNvPr id="174" name="Shape 174"/>
           <p:cNvSpPr txBox="1"/>
           <p:nvPr>
             <p:ph idx="1" type="body"/>
@@ -4924,7 +4924,7 @@
   <p:cSld>
     <p:spTree>
       <p:nvGrpSpPr>
-        <p:cNvPr id="187" name="Shape 187"/>
+        <p:cNvPr id="199" name="Shape 199"/>
         <p:cNvGrpSpPr/>
         <p:nvPr/>
       </p:nvGrpSpPr>
@@ -4938,7 +4938,7 @@
       </p:grpSpPr>
       <p:sp>
         <p:nvSpPr>
-          <p:cNvPr id="188" name="Shape 188"/>
+          <p:cNvPr id="200" name="Shape 200"/>
           <p:cNvSpPr/>
           <p:nvPr/>
         </p:nvSpPr>
@@ -4998,9 +4998,9 @@
       </p:sp>
       <p:cxnSp>
         <p:nvCxnSpPr>
-          <p:cNvPr id="189" name="Shape 189"/>
+          <p:cNvPr id="201" name="Shape 201"/>
           <p:cNvCxnSpPr>
-            <a:stCxn id="188" idx="2"/>
+            <a:stCxn id="200" idx="2"/>
           </p:cNvCxnSpPr>
           <p:nvPr/>
         </p:nvCxnSpPr>
@@ -5026,7 +5026,7 @@
       </p:cxnSp>
       <p:sp>
         <p:nvSpPr>
-          <p:cNvPr id="190" name="Shape 190"/>
+          <p:cNvPr id="202" name="Shape 202"/>
           <p:cNvSpPr/>
           <p:nvPr/>
         </p:nvSpPr>
@@ -5086,7 +5086,7 @@
       </p:sp>
       <p:sp>
         <p:nvSpPr>
-          <p:cNvPr id="191" name="Shape 191"/>
+          <p:cNvPr id="203" name="Shape 203"/>
           <p:cNvSpPr txBox="1"/>
           <p:nvPr/>
         </p:nvSpPr>
@@ -5136,9 +5136,9 @@
       </p:sp>
       <p:cxnSp>
         <p:nvCxnSpPr>
-          <p:cNvPr id="192" name="Shape 192"/>
+          <p:cNvPr id="204" name="Shape 204"/>
           <p:cNvCxnSpPr>
-            <a:stCxn id="193" idx="2"/>
+            <a:stCxn id="205" idx="2"/>
           </p:cNvCxnSpPr>
           <p:nvPr/>
         </p:nvCxnSpPr>
@@ -5164,7 +5164,7 @@
       </p:cxnSp>
       <p:sp>
         <p:nvSpPr>
-          <p:cNvPr id="194" name="Shape 194"/>
+          <p:cNvPr id="206" name="Shape 206"/>
           <p:cNvSpPr/>
           <p:nvPr/>
         </p:nvSpPr>
@@ -5210,7 +5210,7 @@
       </p:sp>
       <p:sp>
         <p:nvSpPr>
-          <p:cNvPr id="195" name="Shape 195"/>
+          <p:cNvPr id="207" name="Shape 207"/>
           <p:cNvSpPr/>
           <p:nvPr/>
         </p:nvSpPr>
@@ -5268,7 +5268,7 @@
       </p:sp>
       <p:sp>
         <p:nvSpPr>
-          <p:cNvPr id="196" name="Shape 196"/>
+          <p:cNvPr id="208" name="Shape 208"/>
           <p:cNvSpPr/>
           <p:nvPr/>
         </p:nvSpPr>
@@ -5314,7 +5314,7 @@
       </p:sp>
       <p:sp>
         <p:nvSpPr>
-          <p:cNvPr id="197" name="Shape 197"/>
+          <p:cNvPr id="209" name="Shape 209"/>
           <p:cNvSpPr/>
           <p:nvPr/>
         </p:nvSpPr>
@@ -5360,7 +5360,7 @@
       </p:sp>
       <p:sp>
         <p:nvSpPr>
-          <p:cNvPr id="198" name="Shape 198"/>
+          <p:cNvPr id="210" name="Shape 210"/>
           <p:cNvSpPr/>
           <p:nvPr/>
         </p:nvSpPr>
@@ -5408,10 +5408,10 @@
       </p:sp>
       <p:cxnSp>
         <p:nvCxnSpPr>
-          <p:cNvPr id="199" name="Shape 199"/>
+          <p:cNvPr id="211" name="Shape 211"/>
           <p:cNvCxnSpPr>
-            <a:stCxn id="194" idx="2"/>
-            <a:endCxn id="198" idx="0"/>
+            <a:stCxn id="206" idx="2"/>
+            <a:endCxn id="210" idx="0"/>
           </p:cNvCxnSpPr>
           <p:nvPr/>
         </p:nvCxnSpPr>
@@ -5437,10 +5437,10 @@
       </p:cxnSp>
       <p:cxnSp>
         <p:nvCxnSpPr>
-          <p:cNvPr id="200" name="Shape 200"/>
+          <p:cNvPr id="212" name="Shape 212"/>
           <p:cNvCxnSpPr>
-            <a:stCxn id="198" idx="2"/>
-            <a:endCxn id="196" idx="0"/>
+            <a:stCxn id="210" idx="2"/>
+            <a:endCxn id="208" idx="0"/>
           </p:cNvCxnSpPr>
           <p:nvPr/>
         </p:nvCxnSpPr>
@@ -5466,7 +5466,7 @@
       </p:cxnSp>
       <p:sp>
         <p:nvSpPr>
-          <p:cNvPr id="201" name="Shape 201"/>
+          <p:cNvPr id="213" name="Shape 213"/>
           <p:cNvSpPr/>
           <p:nvPr/>
         </p:nvSpPr>
@@ -5512,10 +5512,10 @@
       </p:sp>
       <p:cxnSp>
         <p:nvCxnSpPr>
-          <p:cNvPr id="202" name="Shape 202"/>
+          <p:cNvPr id="214" name="Shape 214"/>
           <p:cNvCxnSpPr>
-            <a:stCxn id="196" idx="2"/>
-            <a:endCxn id="201" idx="0"/>
+            <a:stCxn id="208" idx="2"/>
+            <a:endCxn id="213" idx="0"/>
           </p:cNvCxnSpPr>
           <p:nvPr/>
         </p:nvCxnSpPr>
@@ -5541,10 +5541,10 @@
       </p:cxnSp>
       <p:cxnSp>
         <p:nvCxnSpPr>
-          <p:cNvPr id="203" name="Shape 203"/>
+          <p:cNvPr id="215" name="Shape 215"/>
           <p:cNvCxnSpPr>
-            <a:stCxn id="201" idx="2"/>
-            <a:endCxn id="190" idx="0"/>
+            <a:stCxn id="213" idx="2"/>
+            <a:endCxn id="202" idx="0"/>
           </p:cNvCxnSpPr>
           <p:nvPr/>
         </p:nvCxnSpPr>
@@ -5570,10 +5570,10 @@
       </p:cxnSp>
       <p:cxnSp>
         <p:nvCxnSpPr>
-          <p:cNvPr id="204" name="Shape 204"/>
+          <p:cNvPr id="216" name="Shape 216"/>
           <p:cNvCxnSpPr>
-            <a:stCxn id="194" idx="2"/>
-            <a:endCxn id="195" idx="0"/>
+            <a:stCxn id="206" idx="2"/>
+            <a:endCxn id="207" idx="0"/>
           </p:cNvCxnSpPr>
           <p:nvPr/>
         </p:nvCxnSpPr>
@@ -5599,10 +5599,10 @@
       </p:cxnSp>
       <p:cxnSp>
         <p:nvCxnSpPr>
-          <p:cNvPr id="205" name="Shape 205"/>
+          <p:cNvPr id="217" name="Shape 217"/>
           <p:cNvCxnSpPr>
-            <a:stCxn id="195" idx="2"/>
-            <a:endCxn id="190" idx="0"/>
+            <a:stCxn id="207" idx="2"/>
+            <a:endCxn id="202" idx="0"/>
           </p:cNvCxnSpPr>
           <p:nvPr/>
         </p:nvCxnSpPr>
@@ -5642,7 +5642,7 @@
   <p:cSld>
     <p:spTree>
       <p:nvGrpSpPr>
-        <p:cNvPr id="209" name="Shape 209"/>
+        <p:cNvPr id="221" name="Shape 221"/>
         <p:cNvGrpSpPr/>
         <p:nvPr/>
       </p:nvGrpSpPr>
@@ -5656,7 +5656,7 @@
       </p:grpSpPr>
       <p:sp>
         <p:nvSpPr>
-          <p:cNvPr id="210" name="Shape 210"/>
+          <p:cNvPr id="222" name="Shape 222"/>
           <p:cNvSpPr/>
           <p:nvPr/>
         </p:nvSpPr>
@@ -5716,9 +5716,9 @@
       </p:sp>
       <p:cxnSp>
         <p:nvCxnSpPr>
-          <p:cNvPr id="211" name="Shape 211"/>
+          <p:cNvPr id="223" name="Shape 223"/>
           <p:cNvCxnSpPr>
-            <a:stCxn id="210" idx="2"/>
+            <a:stCxn id="222" idx="2"/>
           </p:cNvCxnSpPr>
           <p:nvPr/>
         </p:nvCxnSpPr>
@@ -5744,9 +5744,9 @@
       </p:cxnSp>
       <p:cxnSp>
         <p:nvCxnSpPr>
-          <p:cNvPr id="212" name="Shape 212"/>
+          <p:cNvPr id="224" name="Shape 224"/>
           <p:cNvCxnSpPr>
-            <a:stCxn id="213" idx="2"/>
+            <a:stCxn id="225" idx="2"/>
           </p:cNvCxnSpPr>
           <p:nvPr/>
         </p:nvCxnSpPr>
@@ -5772,7 +5772,7 @@
       </p:cxnSp>
       <p:sp>
         <p:nvSpPr>
-          <p:cNvPr id="214" name="Shape 214"/>
+          <p:cNvPr id="226" name="Shape 226"/>
           <p:cNvSpPr txBox="1"/>
           <p:nvPr/>
         </p:nvSpPr>
@@ -5822,7 +5822,7 @@
       </p:sp>
       <p:sp>
         <p:nvSpPr>
-          <p:cNvPr id="215" name="Shape 215"/>
+          <p:cNvPr id="227" name="Shape 227"/>
           <p:cNvSpPr/>
           <p:nvPr/>
         </p:nvSpPr>
@@ -5868,9 +5868,9 @@
       </p:sp>
       <p:cxnSp>
         <p:nvCxnSpPr>
-          <p:cNvPr id="216" name="Shape 216"/>
+          <p:cNvPr id="228" name="Shape 228"/>
           <p:cNvCxnSpPr>
-            <a:stCxn id="215" idx="2"/>
+            <a:stCxn id="227" idx="2"/>
           </p:cNvCxnSpPr>
           <p:nvPr/>
         </p:nvCxnSpPr>
@@ -5896,9 +5896,9 @@
       </p:cxnSp>
       <p:cxnSp>
         <p:nvCxnSpPr>
-          <p:cNvPr id="217" name="Shape 217"/>
+          <p:cNvPr id="229" name="Shape 229"/>
           <p:cNvCxnSpPr>
-            <a:stCxn id="215" idx="2"/>
+            <a:stCxn id="227" idx="2"/>
           </p:cNvCxnSpPr>
           <p:nvPr/>
         </p:nvCxnSpPr>
@@ -5924,7 +5924,7 @@
       </p:cxnSp>
       <p:sp>
         <p:nvSpPr>
-          <p:cNvPr id="218" name="Shape 218"/>
+          <p:cNvPr id="230" name="Shape 230"/>
           <p:cNvSpPr/>
           <p:nvPr/>
         </p:nvSpPr>
@@ -5970,7 +5970,7 @@
       </p:sp>
       <p:sp>
         <p:nvSpPr>
-          <p:cNvPr id="219" name="Shape 219"/>
+          <p:cNvPr id="231" name="Shape 231"/>
           <p:cNvSpPr/>
           <p:nvPr/>
         </p:nvSpPr>
@@ -6016,17 +6016,17 @@
       </p:sp>
       <p:cxnSp>
         <p:nvCxnSpPr>
-          <p:cNvPr id="220" name="Shape 220"/>
+          <p:cNvPr id="232" name="Shape 232"/>
           <p:cNvCxnSpPr>
-            <a:stCxn id="218" idx="2"/>
-            <a:endCxn id="221" idx="0"/>
+            <a:stCxn id="230" idx="2"/>
+            <a:endCxn id="233" idx="1"/>
           </p:cNvCxnSpPr>
           <p:nvPr/>
         </p:nvCxnSpPr>
         <p:spPr>
           <a:xfrm>
             <a:off x="1801524" y="3376425"/>
-            <a:ext cx="2571000" cy="1080600"/>
+            <a:ext cx="1462800" cy="472800"/>
           </a:xfrm>
           <a:prstGeom prst="straightConnector1">
             <a:avLst/>
@@ -6045,17 +6045,17 @@
       </p:cxnSp>
       <p:cxnSp>
         <p:nvCxnSpPr>
-          <p:cNvPr id="222" name="Shape 222"/>
+          <p:cNvPr id="234" name="Shape 234"/>
           <p:cNvCxnSpPr>
-            <a:stCxn id="219" idx="2"/>
-            <a:endCxn id="221" idx="0"/>
+            <a:stCxn id="231" idx="2"/>
+            <a:endCxn id="233" idx="3"/>
           </p:cNvCxnSpPr>
           <p:nvPr/>
         </p:nvCxnSpPr>
         <p:spPr>
           <a:xfrm flipH="1">
-            <a:off x="4372624" y="3376425"/>
-            <a:ext cx="2437200" cy="1080600"/>
+            <a:off x="5470324" y="3376425"/>
+            <a:ext cx="1339500" cy="472800"/>
           </a:xfrm>
           <a:prstGeom prst="straightConnector1">
             <a:avLst/>
@@ -6074,7 +6074,7 @@
       </p:cxnSp>
       <p:sp>
         <p:nvSpPr>
-          <p:cNvPr id="213" name="Shape 213"/>
+          <p:cNvPr id="225" name="Shape 225"/>
           <p:cNvSpPr/>
           <p:nvPr/>
         </p:nvSpPr>
@@ -6122,7 +6122,7 @@
       </p:sp>
       <p:sp>
         <p:nvSpPr>
-          <p:cNvPr id="223" name="Shape 223"/>
+          <p:cNvPr id="235" name="Shape 235"/>
           <p:cNvSpPr/>
           <p:nvPr/>
         </p:nvSpPr>
@@ -6168,9 +6168,9 @@
       </p:sp>
       <p:cxnSp>
         <p:nvCxnSpPr>
-          <p:cNvPr id="224" name="Shape 224"/>
+          <p:cNvPr id="236" name="Shape 236"/>
           <p:cNvCxnSpPr>
-            <a:endCxn id="223" idx="2"/>
+            <a:endCxn id="235" idx="2"/>
           </p:cNvCxnSpPr>
           <p:nvPr/>
         </p:nvCxnSpPr>
@@ -6196,16 +6196,90 @@
       </p:cxnSp>
       <p:sp>
         <p:nvSpPr>
-          <p:cNvPr id="225" name="Shape 225"/>
+          <p:cNvPr id="233" name="Shape 233"/>
           <p:cNvSpPr/>
           <p:nvPr/>
         </p:nvSpPr>
         <p:spPr>
           <a:xfrm>
-            <a:off x="2971300" y="4457025"/>
+            <a:off x="2988637" y="3579175"/>
             <a:ext cx="2757324" cy="540200"/>
           </a:xfrm>
           <a:prstGeom prst="flowChartManualOperation">
+            <a:avLst/>
+          </a:prstGeom>
+          <a:solidFill>
+            <a:schemeClr val="lt2"/>
+          </a:solidFill>
+          <a:ln cap="flat" cmpd="sng" w="9525">
+            <a:solidFill>
+              <a:schemeClr val="dk2"/>
+            </a:solidFill>
+            <a:prstDash val="solid"/>
+            <a:round/>
+            <a:headEnd len="med" w="med" type="none"/>
+            <a:tailEnd len="med" w="med" type="none"/>
+          </a:ln>
+        </p:spPr>
+        <p:txBody>
+          <a:bodyPr anchorCtr="0" anchor="ctr" bIns="91425" lIns="91425" rIns="91425" tIns="91425">
+            <a:noAutofit/>
+          </a:bodyPr>
+          <a:lstStyle/>
+          <a:p>
+            <a:pPr algn="ctr">
+              <a:spcBef>
+                <a:spcPts val="0"/>
+              </a:spcBef>
+              <a:buNone/>
+            </a:pPr>
+            <a:r>
+              <a:rPr lang="ja"/>
+              <a:t>ループ1</a:t>
+            </a:r>
+          </a:p>
+        </p:txBody>
+      </p:sp>
+      <p:cxnSp>
+        <p:nvCxnSpPr>
+          <p:cNvPr id="237" name="Shape 237"/>
+          <p:cNvCxnSpPr>
+            <a:stCxn id="233" idx="2"/>
+          </p:cNvCxnSpPr>
+          <p:nvPr/>
+        </p:nvCxnSpPr>
+        <p:spPr>
+          <a:xfrm flipH="1">
+            <a:off x="4366999" y="4119375"/>
+            <a:ext cx="300" cy="393900"/>
+          </a:xfrm>
+          <a:prstGeom prst="straightConnector1">
+            <a:avLst/>
+          </a:prstGeom>
+          <a:noFill/>
+          <a:ln cap="flat" cmpd="sng" w="9525">
+            <a:solidFill>
+              <a:schemeClr val="dk2"/>
+            </a:solidFill>
+            <a:prstDash val="solid"/>
+            <a:round/>
+            <a:headEnd len="lg" w="lg" type="none"/>
+            <a:tailEnd len="lg" w="lg" type="none"/>
+          </a:ln>
+        </p:spPr>
+      </p:cxnSp>
+      <p:sp>
+        <p:nvSpPr>
+          <p:cNvPr id="238" name="Shape 238"/>
+          <p:cNvSpPr/>
+          <p:nvPr/>
+        </p:nvSpPr>
+        <p:spPr>
+          <a:xfrm>
+            <a:off x="3106550" y="4477575"/>
+            <a:ext cx="2521199" cy="540299"/>
+          </a:xfrm>
+          <a:prstGeom prst="flowChartAlternateProcess">
             <a:avLst/>
           </a:prstGeom>
           <a:solidFill>
@@ -6256,7 +6330,7 @@
   <p:cSld>
     <p:spTree>
       <p:nvGrpSpPr>
-        <p:cNvPr id="229" name="Shape 229"/>
+        <p:cNvPr id="242" name="Shape 242"/>
         <p:cNvGrpSpPr/>
         <p:nvPr/>
       </p:nvGrpSpPr>
@@ -6270,7 +6344,7 @@
       </p:grpSpPr>
       <p:sp>
         <p:nvSpPr>
-          <p:cNvPr id="230" name="Shape 230"/>
+          <p:cNvPr id="243" name="Shape 243"/>
           <p:cNvSpPr/>
           <p:nvPr/>
         </p:nvSpPr>
@@ -6330,10 +6404,10 @@
       </p:sp>
       <p:cxnSp>
         <p:nvCxnSpPr>
-          <p:cNvPr id="231" name="Shape 231"/>
+          <p:cNvPr id="244" name="Shape 244"/>
           <p:cNvCxnSpPr>
-            <a:stCxn id="230" idx="2"/>
-            <a:endCxn id="232" idx="0"/>
+            <a:stCxn id="243" idx="2"/>
+            <a:endCxn id="245" idx="0"/>
           </p:cNvCxnSpPr>
           <p:nvPr/>
         </p:nvCxnSpPr>
@@ -6359,9 +6433,9 @@
       </p:cxnSp>
       <p:cxnSp>
         <p:nvCxnSpPr>
-          <p:cNvPr id="233" name="Shape 233"/>
+          <p:cNvPr id="246" name="Shape 246"/>
           <p:cNvCxnSpPr>
-            <a:stCxn id="232" idx="2"/>
+            <a:stCxn id="245" idx="2"/>
           </p:cNvCxnSpPr>
           <p:nvPr/>
         </p:nvCxnSpPr>
@@ -6387,7 +6461,7 @@
       </p:cxnSp>
       <p:sp>
         <p:nvSpPr>
-          <p:cNvPr id="234" name="Shape 234"/>
+          <p:cNvPr id="247" name="Shape 247"/>
           <p:cNvSpPr/>
           <p:nvPr/>
         </p:nvSpPr>
@@ -6447,7 +6521,7 @@
       </p:sp>
       <p:sp>
         <p:nvSpPr>
-          <p:cNvPr id="235" name="Shape 235"/>
+          <p:cNvPr id="248" name="Shape 248"/>
           <p:cNvSpPr txBox="1"/>
           <p:nvPr/>
         </p:nvSpPr>
@@ -6497,7 +6571,7 @@
       </p:sp>
       <p:sp>
         <p:nvSpPr>
-          <p:cNvPr id="236" name="Shape 236"/>
+          <p:cNvPr id="249" name="Shape 249"/>
           <p:cNvSpPr/>
           <p:nvPr/>
         </p:nvSpPr>
@@ -6543,7 +6617,7 @@
       </p:sp>
       <p:sp>
         <p:nvSpPr>
-          <p:cNvPr id="237" name="Shape 237"/>
+          <p:cNvPr id="250" name="Shape 250"/>
           <p:cNvSpPr/>
           <p:nvPr/>
         </p:nvSpPr>
@@ -6589,10 +6663,10 @@
       </p:sp>
       <p:cxnSp>
         <p:nvCxnSpPr>
-          <p:cNvPr id="238" name="Shape 238"/>
+          <p:cNvPr id="251" name="Shape 251"/>
           <p:cNvCxnSpPr>
-            <a:stCxn id="237" idx="2"/>
-            <a:endCxn id="239" idx="0"/>
+            <a:stCxn id="250" idx="2"/>
+            <a:endCxn id="252" idx="0"/>
           </p:cNvCxnSpPr>
           <p:nvPr/>
         </p:nvCxnSpPr>
@@ -6618,7 +6692,7 @@
       </p:cxnSp>
       <p:sp>
         <p:nvSpPr>
-          <p:cNvPr id="239" name="Shape 239"/>
+          <p:cNvPr id="252" name="Shape 252"/>
           <p:cNvSpPr/>
           <p:nvPr/>
         </p:nvSpPr>
@@ -6664,10 +6738,10 @@
       </p:sp>
       <p:cxnSp>
         <p:nvCxnSpPr>
-          <p:cNvPr id="240" name="Shape 240"/>
+          <p:cNvPr id="253" name="Shape 253"/>
           <p:cNvCxnSpPr>
-            <a:stCxn id="239" idx="2"/>
-            <a:endCxn id="234" idx="0"/>
+            <a:stCxn id="252" idx="2"/>
+            <a:endCxn id="247" idx="0"/>
           </p:cNvCxnSpPr>
           <p:nvPr/>
         </p:nvCxnSpPr>
@@ -6693,7 +6767,7 @@
       </p:cxnSp>
       <p:sp>
         <p:nvSpPr>
-          <p:cNvPr id="232" name="Shape 232"/>
+          <p:cNvPr id="245" name="Shape 245"/>
           <p:cNvSpPr/>
           <p:nvPr/>
         </p:nvSpPr>
@@ -6739,10 +6813,10 @@
       </p:sp>
       <p:cxnSp>
         <p:nvCxnSpPr>
-          <p:cNvPr id="241" name="Shape 241"/>
+          <p:cNvPr id="254" name="Shape 254"/>
           <p:cNvCxnSpPr>
-            <a:stCxn id="236" idx="2"/>
-            <a:endCxn id="237" idx="0"/>
+            <a:stCxn id="249" idx="2"/>
+            <a:endCxn id="250" idx="0"/>
           </p:cNvCxnSpPr>
           <p:nvPr/>
         </p:nvCxnSpPr>
@@ -6768,7 +6842,7 @@
       </p:cxnSp>
       <p:sp>
         <p:nvSpPr>
-          <p:cNvPr id="242" name="Shape 242"/>
+          <p:cNvPr id="255" name="Shape 255"/>
           <p:cNvSpPr/>
           <p:nvPr/>
         </p:nvSpPr>
@@ -6816,10 +6890,10 @@
       </p:sp>
       <p:cxnSp>
         <p:nvCxnSpPr>
-          <p:cNvPr id="243" name="Shape 243"/>
+          <p:cNvPr id="256" name="Shape 256"/>
           <p:cNvCxnSpPr>
-            <a:stCxn id="237" idx="2"/>
-            <a:endCxn id="242" idx="0"/>
+            <a:stCxn id="250" idx="2"/>
+            <a:endCxn id="255" idx="0"/>
           </p:cNvCxnSpPr>
           <p:nvPr/>
         </p:nvCxnSpPr>
@@ -6845,9 +6919,9 @@
       </p:cxnSp>
       <p:cxnSp>
         <p:nvCxnSpPr>
-          <p:cNvPr id="244" name="Shape 244"/>
+          <p:cNvPr id="257" name="Shape 257"/>
           <p:cNvCxnSpPr>
-            <a:stCxn id="242" idx="2"/>
+            <a:stCxn id="255" idx="2"/>
           </p:cNvCxnSpPr>
           <p:nvPr/>
         </p:nvCxnSpPr>
@@ -6873,7 +6947,7 @@
       </p:cxnSp>
       <p:sp>
         <p:nvSpPr>
-          <p:cNvPr id="245" name="Shape 245"/>
+          <p:cNvPr id="258" name="Shape 258"/>
           <p:cNvSpPr/>
           <p:nvPr/>
         </p:nvSpPr>
@@ -6919,10 +6993,10 @@
       </p:sp>
       <p:cxnSp>
         <p:nvCxnSpPr>
-          <p:cNvPr id="246" name="Shape 246"/>
+          <p:cNvPr id="259" name="Shape 259"/>
           <p:cNvCxnSpPr>
-            <a:stCxn id="245" idx="1"/>
-            <a:endCxn id="239" idx="3"/>
+            <a:stCxn id="258" idx="1"/>
+            <a:endCxn id="252" idx="3"/>
           </p:cNvCxnSpPr>
           <p:nvPr/>
         </p:nvCxnSpPr>
@@ -9096,7 +9170,7 @@
             </a:pPr>
             <a:r>
               <a:rPr lang="ja"/>
-              <a:t>(x%2==0)!</a:t>
+              <a:t>!(x%2==0)</a:t>
             </a:r>
           </a:p>
         </p:txBody>
@@ -9190,7 +9264,7 @@
             </a:pPr>
             <a:r>
               <a:rPr lang="ja"/>
-              <a:t>X=1,X&lt;10,X++</a:t>
+              <a:t>X&lt;10</a:t>
             </a:r>
           </a:p>
         </p:txBody>
@@ -9828,7 +9902,7 @@
             </a:pPr>
             <a:r>
               <a:rPr lang="ja"/>
-              <a:t>X=1,X&lt;4,X++</a:t>
+              <a:t>X&lt;4</a:t>
             </a:r>
           </a:p>
         </p:txBody>
@@ -10061,7 +10135,7 @@
         </p:nvSpPr>
         <p:spPr>
           <a:xfrm>
-            <a:off x="3016325" y="4333025"/>
+            <a:off x="3016325" y="4592175"/>
             <a:ext cx="2712300" cy="540299"/>
           </a:xfrm>
           <a:prstGeom prst="roundRect">
@@ -10296,7 +10370,7 @@
         <p:spPr>
           <a:xfrm>
             <a:off x="2699975" y="3743199"/>
-            <a:ext cx="1672500" cy="589800"/>
+            <a:ext cx="1672500" cy="849000"/>
           </a:xfrm>
           <a:prstGeom prst="straightConnector1">
             <a:avLst/>
@@ -10321,7 +10395,7 @@
         </p:nvSpPr>
         <p:spPr>
           <a:xfrm>
-            <a:off x="3229925" y="2000775"/>
+            <a:off x="3221525" y="1752575"/>
             <a:ext cx="2070899" cy="689099"/>
           </a:xfrm>
           <a:prstGeom prst="diamond">
@@ -10370,8 +10444,8 @@
         </p:nvCxnSpPr>
         <p:spPr>
           <a:xfrm flipH="1">
-            <a:off x="2699974" y="2689874"/>
-            <a:ext cx="1565400" cy="589800"/>
+            <a:off x="2699974" y="2441674"/>
+            <a:ext cx="1557000" cy="837900"/>
           </a:xfrm>
           <a:prstGeom prst="straightConnector1">
             <a:avLst/>
@@ -10393,13 +10467,14 @@
           <p:cNvPr id="160" name="Shape 160"/>
           <p:cNvCxnSpPr>
             <a:stCxn id="158" idx="2"/>
+            <a:endCxn id="161" idx="0"/>
           </p:cNvCxnSpPr>
           <p:nvPr/>
         </p:nvCxnSpPr>
         <p:spPr>
           <a:xfrm>
-            <a:off x="4265374" y="2689874"/>
-            <a:ext cx="1810200" cy="522600"/>
+            <a:off x="4256974" y="2441674"/>
+            <a:ext cx="2713200" cy="322500"/>
           </a:xfrm>
           <a:prstGeom prst="straightConnector1">
             <a:avLst/>
@@ -10416,6 +10491,123 @@
           </a:ln>
         </p:spPr>
       </p:cxnSp>
+      <p:cxnSp>
+        <p:nvCxnSpPr>
+          <p:cNvPr id="162" name="Shape 162"/>
+          <p:cNvCxnSpPr>
+            <a:stCxn id="163" idx="1"/>
+            <a:endCxn id="151" idx="0"/>
+          </p:cNvCxnSpPr>
+          <p:nvPr/>
+        </p:nvCxnSpPr>
+        <p:spPr>
+          <a:xfrm flipH="1">
+            <a:off x="4372574" y="4510037"/>
+            <a:ext cx="1843200" cy="82200"/>
+          </a:xfrm>
+          <a:prstGeom prst="straightConnector1">
+            <a:avLst/>
+          </a:prstGeom>
+          <a:noFill/>
+          <a:ln cap="flat" cmpd="sng" w="9525">
+            <a:solidFill>
+              <a:schemeClr val="dk2"/>
+            </a:solidFill>
+            <a:prstDash val="solid"/>
+            <a:round/>
+            <a:headEnd len="lg" w="lg" type="none"/>
+            <a:tailEnd len="lg" w="lg" type="none"/>
+          </a:ln>
+        </p:spPr>
+      </p:cxnSp>
+      <p:sp>
+        <p:nvSpPr>
+          <p:cNvPr id="164" name="Shape 164"/>
+          <p:cNvSpPr txBox="1"/>
+          <p:nvPr/>
+        </p:nvSpPr>
+        <p:spPr>
+          <a:xfrm>
+            <a:off x="2498575" y="2615775"/>
+            <a:ext cx="607800" cy="463499"/>
+          </a:xfrm>
+          <a:prstGeom prst="rect">
+            <a:avLst/>
+          </a:prstGeom>
+          <a:noFill/>
+          <a:ln>
+            <a:noFill/>
+          </a:ln>
+        </p:spPr>
+        <p:txBody>
+          <a:bodyPr anchorCtr="0" anchor="t" bIns="91425" lIns="91425" rIns="91425" tIns="91425">
+            <a:noAutofit/>
+          </a:bodyPr>
+          <a:lstStyle/>
+          <a:p>
+            <a:pPr rtl="0">
+              <a:spcBef>
+                <a:spcPts val="0"/>
+              </a:spcBef>
+              <a:buNone/>
+            </a:pPr>
+            <a:r>
+              <a:rPr lang="ja"/>
+              <a:t>YES</a:t>
+            </a:r>
+          </a:p>
+          <a:p>
+            <a:pPr>
+              <a:spcBef>
+                <a:spcPts val="0"/>
+              </a:spcBef>
+              <a:buNone/>
+            </a:pPr>
+            <a:r>
+              <a:t/>
+            </a:r>
+            <a:endParaRPr/>
+          </a:p>
+        </p:txBody>
+      </p:sp>
+      <p:sp>
+        <p:nvSpPr>
+          <p:cNvPr id="165" name="Shape 165"/>
+          <p:cNvSpPr txBox="1"/>
+          <p:nvPr/>
+        </p:nvSpPr>
+        <p:spPr>
+          <a:xfrm>
+            <a:off x="5535275" y="2521612"/>
+            <a:ext cx="540299" cy="463499"/>
+          </a:xfrm>
+          <a:prstGeom prst="rect">
+            <a:avLst/>
+          </a:prstGeom>
+          <a:noFill/>
+          <a:ln>
+            <a:noFill/>
+          </a:ln>
+        </p:spPr>
+        <p:txBody>
+          <a:bodyPr anchorCtr="0" anchor="t" bIns="91425" lIns="91425" rIns="91425" tIns="91425">
+            <a:noAutofit/>
+          </a:bodyPr>
+          <a:lstStyle/>
+          <a:p>
+            <a:pPr>
+              <a:spcBef>
+                <a:spcPts val="0"/>
+              </a:spcBef>
+              <a:buNone/>
+            </a:pPr>
+            <a:r>
+              <a:rPr lang="ja"/>
+              <a:t>NO</a:t>
+            </a:r>
+          </a:p>
+        </p:txBody>
+      </p:sp>
       <p:sp>
         <p:nvSpPr>
           <p:cNvPr id="161" name="Shape 161"/>
@@ -10424,11 +10616,13 @@
         </p:nvSpPr>
         <p:spPr>
           <a:xfrm>
-            <a:off x="5278550" y="3128775"/>
-            <a:ext cx="1463150" cy="589799"/>
-          </a:xfrm>
-          <a:prstGeom prst="flowChartManualInput">
-            <a:avLst/>
+            <a:off x="6048525" y="2764275"/>
+            <a:ext cx="1843200" cy="314999"/>
+          </a:xfrm>
+          <a:prstGeom prst="trapezoid">
+            <a:avLst>
+              <a:gd fmla="val 25000" name="adj"/>
+            </a:avLst>
           </a:prstGeom>
           <a:solidFill>
             <a:schemeClr val="lt2"/>
@@ -10457,24 +10651,23 @@
             </a:pPr>
             <a:r>
               <a:rPr lang="ja"/>
-              <a:t>入力し直してください。</a:t>
+              <a:t>パスワードが一致しない</a:t>
             </a:r>
           </a:p>
         </p:txBody>
       </p:sp>
       <p:cxnSp>
         <p:nvCxnSpPr>
-          <p:cNvPr id="162" name="Shape 162"/>
+          <p:cNvPr id="166" name="Shape 166"/>
           <p:cNvCxnSpPr>
             <a:stCxn id="161" idx="2"/>
-            <a:endCxn id="151" idx="0"/>
           </p:cNvCxnSpPr>
           <p:nvPr/>
         </p:nvCxnSpPr>
         <p:spPr>
-          <a:xfrm flipH="1">
-            <a:off x="4372425" y="3718574"/>
-            <a:ext cx="1637700" cy="614400"/>
+          <a:xfrm>
+            <a:off x="6970125" y="3079274"/>
+            <a:ext cx="5700" cy="472799"/>
           </a:xfrm>
           <a:prstGeom prst="straightConnector1">
             <a:avLst/>
@@ -10491,6 +10684,230 @@
           </a:ln>
         </p:spPr>
       </p:cxnSp>
+      <p:sp>
+        <p:nvSpPr>
+          <p:cNvPr id="167" name="Shape 167"/>
+          <p:cNvSpPr/>
+          <p:nvPr/>
+        </p:nvSpPr>
+        <p:spPr>
+          <a:xfrm>
+            <a:off x="5987675" y="3227937"/>
+            <a:ext cx="1857000" cy="540299"/>
+          </a:xfrm>
+          <a:prstGeom prst="rect">
+            <a:avLst/>
+          </a:prstGeom>
+          <a:solidFill>
+            <a:schemeClr val="lt2"/>
+          </a:solidFill>
+          <a:ln cap="flat" cmpd="sng" w="9525">
+            <a:solidFill>
+              <a:schemeClr val="dk2"/>
+            </a:solidFill>
+            <a:prstDash val="solid"/>
+            <a:round/>
+            <a:headEnd len="med" w="med" type="none"/>
+            <a:tailEnd len="med" w="med" type="none"/>
+          </a:ln>
+        </p:spPr>
+        <p:txBody>
+          <a:bodyPr anchorCtr="0" anchor="ctr" bIns="91425" lIns="91425" rIns="91425" tIns="91425">
+            <a:noAutofit/>
+          </a:bodyPr>
+          <a:lstStyle/>
+          <a:p>
+            <a:pPr>
+              <a:spcBef>
+                <a:spcPts val="0"/>
+              </a:spcBef>
+              <a:buNone/>
+            </a:pPr>
+            <a:r>
+              <a:rPr lang="ja"/>
+              <a:t>もう一度入力しなおしてください。と表示</a:t>
+            </a:r>
+          </a:p>
+        </p:txBody>
+      </p:sp>
+      <p:sp>
+        <p:nvSpPr>
+          <p:cNvPr id="168" name="Shape 168"/>
+          <p:cNvSpPr/>
+          <p:nvPr/>
+        </p:nvSpPr>
+        <p:spPr>
+          <a:xfrm>
+            <a:off x="6291500" y="3916925"/>
+            <a:ext cx="1057949" cy="315000"/>
+          </a:xfrm>
+          <a:prstGeom prst="flowChartManualInput">
+            <a:avLst/>
+          </a:prstGeom>
+          <a:solidFill>
+            <a:schemeClr val="lt2"/>
+          </a:solidFill>
+          <a:ln cap="flat" cmpd="sng" w="9525">
+            <a:solidFill>
+              <a:schemeClr val="dk2"/>
+            </a:solidFill>
+            <a:prstDash val="solid"/>
+            <a:round/>
+            <a:headEnd len="med" w="med" type="none"/>
+            <a:tailEnd len="med" w="med" type="none"/>
+          </a:ln>
+        </p:spPr>
+        <p:txBody>
+          <a:bodyPr anchorCtr="0" anchor="ctr" bIns="91425" lIns="91425" rIns="91425" tIns="91425">
+            <a:noAutofit/>
+          </a:bodyPr>
+          <a:lstStyle/>
+          <a:p>
+            <a:pPr>
+              <a:spcBef>
+                <a:spcPts val="0"/>
+              </a:spcBef>
+              <a:buNone/>
+            </a:pPr>
+            <a:r>
+              <a:rPr lang="ja"/>
+              <a:t>パスワード入力</a:t>
+            </a:r>
+          </a:p>
+        </p:txBody>
+      </p:sp>
+      <p:cxnSp>
+        <p:nvCxnSpPr>
+          <p:cNvPr id="169" name="Shape 169"/>
+          <p:cNvCxnSpPr>
+            <a:stCxn id="167" idx="2"/>
+            <a:endCxn id="168" idx="0"/>
+          </p:cNvCxnSpPr>
+          <p:nvPr/>
+        </p:nvCxnSpPr>
+        <p:spPr>
+          <a:xfrm flipH="1">
+            <a:off x="6820475" y="3768237"/>
+            <a:ext cx="95700" cy="180300"/>
+          </a:xfrm>
+          <a:prstGeom prst="straightConnector1">
+            <a:avLst/>
+          </a:prstGeom>
+          <a:noFill/>
+          <a:ln cap="flat" cmpd="sng" w="9525">
+            <a:solidFill>
+              <a:schemeClr val="dk2"/>
+            </a:solidFill>
+            <a:prstDash val="solid"/>
+            <a:round/>
+            <a:headEnd len="lg" w="lg" type="none"/>
+            <a:tailEnd len="lg" w="lg" type="none"/>
+          </a:ln>
+        </p:spPr>
+      </p:cxnSp>
+      <p:cxnSp>
+        <p:nvCxnSpPr>
+          <p:cNvPr id="170" name="Shape 170"/>
+          <p:cNvCxnSpPr>
+            <a:stCxn id="168" idx="2"/>
+            <a:endCxn id="168" idx="2"/>
+          </p:cNvCxnSpPr>
+          <p:nvPr/>
+        </p:nvCxnSpPr>
+        <p:spPr>
+          <a:xfrm>
+            <a:off x="6820474" y="4231925"/>
+            <a:ext cx="0" cy="0"/>
+          </a:xfrm>
+          <a:prstGeom prst="straightConnector1">
+            <a:avLst/>
+          </a:prstGeom>
+          <a:noFill/>
+          <a:ln cap="flat" cmpd="sng" w="9525">
+            <a:solidFill>
+              <a:schemeClr val="dk2"/>
+            </a:solidFill>
+            <a:prstDash val="solid"/>
+            <a:round/>
+            <a:headEnd len="lg" w="lg" type="none"/>
+            <a:tailEnd len="lg" w="lg" type="none"/>
+          </a:ln>
+        </p:spPr>
+      </p:cxnSp>
+      <p:cxnSp>
+        <p:nvCxnSpPr>
+          <p:cNvPr id="171" name="Shape 171"/>
+          <p:cNvCxnSpPr>
+            <a:stCxn id="168" idx="2"/>
+          </p:cNvCxnSpPr>
+          <p:nvPr/>
+        </p:nvCxnSpPr>
+        <p:spPr>
+          <a:xfrm>
+            <a:off x="6820474" y="4231925"/>
+            <a:ext cx="0" cy="191400"/>
+          </a:xfrm>
+          <a:prstGeom prst="straightConnector1">
+            <a:avLst/>
+          </a:prstGeom>
+          <a:noFill/>
+          <a:ln cap="flat" cmpd="sng" w="9525">
+            <a:solidFill>
+              <a:schemeClr val="dk2"/>
+            </a:solidFill>
+            <a:prstDash val="solid"/>
+            <a:round/>
+            <a:headEnd len="lg" w="lg" type="none"/>
+            <a:tailEnd len="lg" w="lg" type="none"/>
+          </a:ln>
+        </p:spPr>
+      </p:cxnSp>
+      <p:sp>
+        <p:nvSpPr>
+          <p:cNvPr id="163" name="Shape 163"/>
+          <p:cNvSpPr/>
+          <p:nvPr/>
+        </p:nvSpPr>
+        <p:spPr>
+          <a:xfrm>
+            <a:off x="6048524" y="4380600"/>
+            <a:ext cx="1672500" cy="258875"/>
+          </a:xfrm>
+          <a:prstGeom prst="flowChartManualOperation">
+            <a:avLst/>
+          </a:prstGeom>
+          <a:solidFill>
+            <a:schemeClr val="lt2"/>
+          </a:solidFill>
+          <a:ln cap="flat" cmpd="sng" w="9525">
+            <a:solidFill>
+              <a:schemeClr val="dk2"/>
+            </a:solidFill>
+            <a:prstDash val="solid"/>
+            <a:round/>
+            <a:headEnd len="med" w="med" type="none"/>
+            <a:tailEnd len="med" w="med" type="none"/>
+          </a:ln>
+        </p:spPr>
+        <p:txBody>
+          <a:bodyPr anchorCtr="0" anchor="ctr" bIns="91425" lIns="91425" rIns="91425" tIns="91425">
+            <a:noAutofit/>
+          </a:bodyPr>
+          <a:lstStyle/>
+          <a:p>
+            <a:pPr>
+              <a:spcBef>
+                <a:spcPts val="0"/>
+              </a:spcBef>
+              <a:buNone/>
+            </a:pPr>
+            <a:r>
+              <a:rPr lang="ja"/>
+              <a:t>ループ1</a:t>
+            </a:r>
+          </a:p>
+        </p:txBody>
+      </p:sp>
     </p:spTree>
   </p:cSld>
   <p:clrMapOvr>
@@ -10507,7 +10924,7 @@
   <p:cSld>
     <p:spTree>
       <p:nvGrpSpPr>
-        <p:cNvPr id="166" name="Shape 166"/>
+        <p:cNvPr id="175" name="Shape 175"/>
         <p:cNvGrpSpPr/>
         <p:nvPr/>
       </p:nvGrpSpPr>
@@ -10521,7 +10938,7 @@
       </p:grpSpPr>
       <p:sp>
         <p:nvSpPr>
-          <p:cNvPr id="167" name="Shape 167"/>
+          <p:cNvPr id="176" name="Shape 176"/>
           <p:cNvSpPr/>
           <p:nvPr/>
         </p:nvSpPr>
@@ -10581,9 +10998,9 @@
       </p:sp>
       <p:cxnSp>
         <p:nvCxnSpPr>
-          <p:cNvPr id="168" name="Shape 168"/>
+          <p:cNvPr id="177" name="Shape 177"/>
           <p:cNvCxnSpPr>
-            <a:stCxn id="167" idx="2"/>
+            <a:stCxn id="176" idx="2"/>
           </p:cNvCxnSpPr>
           <p:nvPr/>
         </p:nvCxnSpPr>
@@ -10609,7 +11026,7 @@
       </p:cxnSp>
       <p:sp>
         <p:nvSpPr>
-          <p:cNvPr id="169" name="Shape 169"/>
+          <p:cNvPr id="178" name="Shape 178"/>
           <p:cNvSpPr/>
           <p:nvPr/>
         </p:nvSpPr>
@@ -10669,7 +11086,7 @@
       </p:sp>
       <p:sp>
         <p:nvSpPr>
-          <p:cNvPr id="170" name="Shape 170"/>
+          <p:cNvPr id="179" name="Shape 179"/>
           <p:cNvSpPr txBox="1"/>
           <p:nvPr/>
         </p:nvSpPr>
@@ -10719,7 +11136,7 @@
       </p:sp>
       <p:sp>
         <p:nvSpPr>
-          <p:cNvPr id="171" name="Shape 171"/>
+          <p:cNvPr id="180" name="Shape 180"/>
           <p:cNvSpPr/>
           <p:nvPr/>
         </p:nvSpPr>
@@ -10765,10 +11182,10 @@
       </p:sp>
       <p:cxnSp>
         <p:nvCxnSpPr>
-          <p:cNvPr id="172" name="Shape 172"/>
+          <p:cNvPr id="181" name="Shape 181"/>
           <p:cNvCxnSpPr>
-            <a:stCxn id="171" idx="2"/>
-            <a:endCxn id="173" idx="0"/>
+            <a:stCxn id="180" idx="2"/>
+            <a:endCxn id="182" idx="0"/>
           </p:cNvCxnSpPr>
           <p:nvPr/>
         </p:nvCxnSpPr>
@@ -10794,7 +11211,7 @@
       </p:cxnSp>
       <p:sp>
         <p:nvSpPr>
-          <p:cNvPr id="174" name="Shape 174"/>
+          <p:cNvPr id="183" name="Shape 183"/>
           <p:cNvSpPr/>
           <p:nvPr/>
         </p:nvSpPr>
@@ -10833,14 +11250,14 @@
             </a:pPr>
             <a:r>
               <a:rPr lang="ja"/>
-              <a:t>if文で数字を審査</a:t>
-            </a:r>
-          </a:p>
-        </p:txBody>
-      </p:sp>
-      <p:sp>
-        <p:nvSpPr>
-          <p:cNvPr id="175" name="Shape 175"/>
+              <a:t>X&gt;=1,X=0,X&lt;0</a:t>
+            </a:r>
+          </a:p>
+        </p:txBody>
+      </p:sp>
+      <p:sp>
+        <p:nvSpPr>
+          <p:cNvPr id="184" name="Shape 184"/>
           <p:cNvSpPr/>
           <p:nvPr/>
         </p:nvSpPr>
@@ -10926,7 +11343,7 @@
       </p:sp>
       <p:sp>
         <p:nvSpPr>
-          <p:cNvPr id="176" name="Shape 176"/>
+          <p:cNvPr id="185" name="Shape 185"/>
           <p:cNvSpPr/>
           <p:nvPr/>
         </p:nvSpPr>
@@ -10986,7 +11403,7 @@
       </p:sp>
       <p:sp>
         <p:nvSpPr>
-          <p:cNvPr id="177" name="Shape 177"/>
+          <p:cNvPr id="186" name="Shape 186"/>
           <p:cNvSpPr/>
           <p:nvPr/>
         </p:nvSpPr>
@@ -11046,10 +11463,10 @@
       </p:sp>
       <p:cxnSp>
         <p:nvCxnSpPr>
-          <p:cNvPr id="178" name="Shape 178"/>
+          <p:cNvPr id="187" name="Shape 187"/>
           <p:cNvCxnSpPr>
-            <a:stCxn id="174" idx="2"/>
-            <a:endCxn id="175" idx="0"/>
+            <a:stCxn id="183" idx="2"/>
+            <a:endCxn id="184" idx="0"/>
           </p:cNvCxnSpPr>
           <p:nvPr/>
         </p:nvCxnSpPr>
@@ -11075,10 +11492,10 @@
       </p:cxnSp>
       <p:cxnSp>
         <p:nvCxnSpPr>
-          <p:cNvPr id="179" name="Shape 179"/>
+          <p:cNvPr id="188" name="Shape 188"/>
           <p:cNvCxnSpPr>
-            <a:stCxn id="174" idx="2"/>
-            <a:endCxn id="176" idx="0"/>
+            <a:stCxn id="183" idx="2"/>
+            <a:endCxn id="185" idx="0"/>
           </p:cNvCxnSpPr>
           <p:nvPr/>
         </p:nvCxnSpPr>
@@ -11104,10 +11521,10 @@
       </p:cxnSp>
       <p:cxnSp>
         <p:nvCxnSpPr>
-          <p:cNvPr id="180" name="Shape 180"/>
+          <p:cNvPr id="189" name="Shape 189"/>
           <p:cNvCxnSpPr>
-            <a:stCxn id="174" idx="2"/>
-            <a:endCxn id="177" idx="0"/>
+            <a:stCxn id="183" idx="2"/>
+            <a:endCxn id="186" idx="0"/>
           </p:cNvCxnSpPr>
           <p:nvPr/>
         </p:nvCxnSpPr>
@@ -11133,10 +11550,10 @@
       </p:cxnSp>
       <p:cxnSp>
         <p:nvCxnSpPr>
-          <p:cNvPr id="181" name="Shape 181"/>
+          <p:cNvPr id="190" name="Shape 190"/>
           <p:cNvCxnSpPr>
-            <a:stCxn id="175" idx="2"/>
-            <a:endCxn id="169" idx="0"/>
+            <a:stCxn id="184" idx="2"/>
+            <a:endCxn id="178" idx="0"/>
           </p:cNvCxnSpPr>
           <p:nvPr/>
         </p:nvCxnSpPr>
@@ -11162,10 +11579,10 @@
       </p:cxnSp>
       <p:cxnSp>
         <p:nvCxnSpPr>
-          <p:cNvPr id="182" name="Shape 182"/>
+          <p:cNvPr id="191" name="Shape 191"/>
           <p:cNvCxnSpPr>
-            <a:stCxn id="176" idx="2"/>
-            <a:endCxn id="169" idx="0"/>
+            <a:stCxn id="185" idx="2"/>
+            <a:endCxn id="178" idx="0"/>
           </p:cNvCxnSpPr>
           <p:nvPr/>
         </p:nvCxnSpPr>
@@ -11191,10 +11608,10 @@
       </p:cxnSp>
       <p:cxnSp>
         <p:nvCxnSpPr>
-          <p:cNvPr id="183" name="Shape 183"/>
+          <p:cNvPr id="192" name="Shape 192"/>
           <p:cNvCxnSpPr>
-            <a:stCxn id="177" idx="2"/>
-            <a:endCxn id="169" idx="0"/>
+            <a:stCxn id="186" idx="2"/>
+            <a:endCxn id="178" idx="0"/>
           </p:cNvCxnSpPr>
           <p:nvPr/>
         </p:nvCxnSpPr>
@@ -11218,6 +11635,120 @@
           </a:ln>
         </p:spPr>
       </p:cxnSp>
+      <p:sp>
+        <p:nvSpPr>
+          <p:cNvPr id="193" name="Shape 193"/>
+          <p:cNvSpPr txBox="1"/>
+          <p:nvPr/>
+        </p:nvSpPr>
+        <p:spPr>
+          <a:xfrm>
+            <a:off x="2236700" y="2457875"/>
+            <a:ext cx="641699" cy="424799"/>
+          </a:xfrm>
+          <a:prstGeom prst="rect">
+            <a:avLst/>
+          </a:prstGeom>
+          <a:noFill/>
+          <a:ln>
+            <a:noFill/>
+          </a:ln>
+        </p:spPr>
+        <p:txBody>
+          <a:bodyPr anchorCtr="0" anchor="t" bIns="91425" lIns="91425" rIns="91425" tIns="91425">
+            <a:noAutofit/>
+          </a:bodyPr>
+          <a:lstStyle/>
+          <a:p>
+            <a:pPr>
+              <a:spcBef>
+                <a:spcPts val="0"/>
+              </a:spcBef>
+              <a:buNone/>
+            </a:pPr>
+            <a:r>
+              <a:rPr lang="ja"/>
+              <a:t>X&gt;=1</a:t>
+            </a:r>
+          </a:p>
+        </p:txBody>
+      </p:sp>
+      <p:sp>
+        <p:nvSpPr>
+          <p:cNvPr id="194" name="Shape 194"/>
+          <p:cNvSpPr txBox="1"/>
+          <p:nvPr/>
+        </p:nvSpPr>
+        <p:spPr>
+          <a:xfrm>
+            <a:off x="4592000" y="2825687"/>
+            <a:ext cx="573900" cy="413999"/>
+          </a:xfrm>
+          <a:prstGeom prst="rect">
+            <a:avLst/>
+          </a:prstGeom>
+          <a:noFill/>
+          <a:ln>
+            <a:noFill/>
+          </a:ln>
+        </p:spPr>
+        <p:txBody>
+          <a:bodyPr anchorCtr="0" anchor="t" bIns="91425" lIns="91425" rIns="91425" tIns="91425">
+            <a:noAutofit/>
+          </a:bodyPr>
+          <a:lstStyle/>
+          <a:p>
+            <a:pPr>
+              <a:spcBef>
+                <a:spcPts val="0"/>
+              </a:spcBef>
+              <a:buNone/>
+            </a:pPr>
+            <a:r>
+              <a:rPr lang="ja"/>
+              <a:t>X=0</a:t>
+            </a:r>
+          </a:p>
+        </p:txBody>
+      </p:sp>
+      <p:sp>
+        <p:nvSpPr>
+          <p:cNvPr id="195" name="Shape 195"/>
+          <p:cNvSpPr txBox="1"/>
+          <p:nvPr/>
+        </p:nvSpPr>
+        <p:spPr>
+          <a:xfrm>
+            <a:off x="6449075" y="2521100"/>
+            <a:ext cx="641699" cy="413999"/>
+          </a:xfrm>
+          <a:prstGeom prst="rect">
+            <a:avLst/>
+          </a:prstGeom>
+          <a:noFill/>
+          <a:ln>
+            <a:noFill/>
+          </a:ln>
+        </p:spPr>
+        <p:txBody>
+          <a:bodyPr anchorCtr="0" anchor="t" bIns="91425" lIns="91425" rIns="91425" tIns="91425">
+            <a:noAutofit/>
+          </a:bodyPr>
+          <a:lstStyle/>
+          <a:p>
+            <a:pPr>
+              <a:spcBef>
+                <a:spcPts val="0"/>
+              </a:spcBef>
+              <a:buNone/>
+            </a:pPr>
+            <a:r>
+              <a:rPr lang="ja"/>
+              <a:t>X&lt;0</a:t>
+            </a:r>
+          </a:p>
+        </p:txBody>
+      </p:sp>
     </p:spTree>
   </p:cSld>
   <p:clrMapOvr>
@@ -11230,6 +11761,285 @@
 </file>
 
 <file path=ppt/theme/theme1.xml><?xml version="1.0" encoding="utf-8"?>
+<a:theme xmlns:a="http://schemas.openxmlformats.org/drawingml/2006/main" xmlns:r="http://schemas.openxmlformats.org/officeDocument/2006/relationships" name="simple-light-2">
+  <a:themeElements>
+    <a:clrScheme name="Simple Light">
+      <a:dk1>
+        <a:srgbClr val="000000"/>
+      </a:dk1>
+      <a:lt1>
+        <a:srgbClr val="FFFFFF"/>
+      </a:lt1>
+      <a:dk2>
+        <a:srgbClr val="595959"/>
+      </a:dk2>
+      <a:lt2>
+        <a:srgbClr val="EEEEEE"/>
+      </a:lt2>
+      <a:accent1>
+        <a:srgbClr val="FFAB40"/>
+      </a:accent1>
+      <a:accent2>
+        <a:srgbClr val="212121"/>
+      </a:accent2>
+      <a:accent3>
+        <a:srgbClr val="78909C"/>
+      </a:accent3>
+      <a:accent4>
+        <a:srgbClr val="FFAB40"/>
+      </a:accent4>
+      <a:accent5>
+        <a:srgbClr val="0097A7"/>
+      </a:accent5>
+      <a:accent6>
+        <a:srgbClr val="EEFF41"/>
+      </a:accent6>
+      <a:hlink>
+        <a:srgbClr val="0097A7"/>
+      </a:hlink>
+      <a:folHlink>
+        <a:srgbClr val="0097A7"/>
+      </a:folHlink>
+    </a:clrScheme>
+    <a:fontScheme name="Office">
+      <a:majorFont>
+        <a:latin typeface="Arial"/>
+        <a:ea typeface=""/>
+        <a:cs typeface=""/>
+        <a:font script="Jpan" typeface="ＭＳ Ｐゴシック"/>
+        <a:font script="Hang" typeface="맑은 고딕"/>
+        <a:font script="Hans" typeface="宋体"/>
+        <a:font script="Hant" typeface="新細明體"/>
+        <a:font script="Arab" typeface="Times New Roman"/>
+        <a:font script="Hebr" typeface="Times New Roman"/>
+        <a:font script="Thai" typeface="Angsana New"/>
+        <a:font script="Ethi" typeface="Nyala"/>
+        <a:font script="Beng" typeface="Vrinda"/>
+        <a:font script="Gujr" typeface="Shruti"/>
+        <a:font script="Khmr" typeface="MoolBoran"/>
+        <a:font script="Knda" typeface="Tunga"/>
+        <a:font script="Guru" typeface="Raavi"/>
+        <a:font script="Cans" typeface="Euphemia"/>
+        <a:font script="Cher" typeface="Plantagenet Cherokee"/>
+        <a:font script="Yiii" typeface="Microsoft Yi Baiti"/>
+        <a:font script="Tibt" typeface="Microsoft Himalaya"/>
+        <a:font script="Thaa" typeface="MV Boli"/>
+        <a:font script="Deva" typeface="Mangal"/>
+        <a:font script="Telu" typeface="Gautami"/>
+        <a:font script="Taml" typeface="Latha"/>
+        <a:font script="Syrc" typeface="Estrangelo Edessa"/>
+        <a:font script="Orya" typeface="Kalinga"/>
+        <a:font script="Mlym" typeface="Kartika"/>
+        <a:font script="Laoo" typeface="DokChampa"/>
+        <a:font script="Sinh" typeface="Iskoola Pota"/>
+        <a:font script="Mong" typeface="Mongolian Baiti"/>
+        <a:font script="Viet" typeface="Times New Roman"/>
+        <a:font script="Uigh" typeface="Microsoft Uighur"/>
+        <a:font script="Geor" typeface="Sylfaen"/>
+      </a:majorFont>
+      <a:minorFont>
+        <a:latin typeface="Arial"/>
+        <a:ea typeface=""/>
+        <a:cs typeface=""/>
+        <a:font script="Jpan" typeface="ＭＳ Ｐゴシック"/>
+        <a:font script="Hang" typeface="맑은 고딕"/>
+        <a:font script="Hans" typeface="宋体"/>
+        <a:font script="Hant" typeface="新細明體"/>
+        <a:font script="Arab" typeface="Arial"/>
+        <a:font script="Hebr" typeface="Arial"/>
+        <a:font script="Thai" typeface="Cordia New"/>
+        <a:font script="Ethi" typeface="Nyala"/>
+        <a:font script="Beng" typeface="Vrinda"/>
+        <a:font script="Gujr" typeface="Shruti"/>
+        <a:font script="Khmr" typeface="DaunPenh"/>
+        <a:font script="Knda" typeface="Tunga"/>
+        <a:font script="Guru" typeface="Raavi"/>
+        <a:font script="Cans" typeface="Euphemia"/>
+        <a:font script="Cher" typeface="Plantagenet Cherokee"/>
+        <a:font script="Yiii" typeface="Microsoft Yi Baiti"/>
+        <a:font script="Tibt" typeface="Microsoft Himalaya"/>
+        <a:font script="Thaa" typeface="MV Boli"/>
+        <a:font script="Deva" typeface="Mangal"/>
+        <a:font script="Telu" typeface="Gautami"/>
+        <a:font script="Taml" typeface="Latha"/>
+        <a:font script="Syrc" typeface="Estrangelo Edessa"/>
+        <a:font script="Orya" typeface="Kalinga"/>
+        <a:font script="Mlym" typeface="Kartika"/>
+        <a:font script="Laoo" typeface="DokChampa"/>
+        <a:font script="Sinh" typeface="Iskoola Pota"/>
+        <a:font script="Mong" typeface="Mongolian Baiti"/>
+        <a:font script="Viet" typeface="Arial"/>
+        <a:font script="Uigh" typeface="Microsoft Uighur"/>
+        <a:font script="Geor" typeface="Sylfaen"/>
+      </a:minorFont>
+    </a:fontScheme>
+    <a:fmtScheme name="Office">
+      <a:fillStyleLst>
+        <a:solidFill>
+          <a:schemeClr val="phClr"/>
+        </a:solidFill>
+        <a:gradFill rotWithShape="1">
+          <a:gsLst>
+            <a:gs pos="0">
+              <a:schemeClr val="phClr">
+                <a:tint val="50000"/>
+                <a:satMod val="300000"/>
+              </a:schemeClr>
+            </a:gs>
+            <a:gs pos="35000">
+              <a:schemeClr val="phClr">
+                <a:tint val="37000"/>
+                <a:satMod val="300000"/>
+              </a:schemeClr>
+            </a:gs>
+            <a:gs pos="100000">
+              <a:schemeClr val="phClr">
+                <a:tint val="15000"/>
+                <a:satMod val="350000"/>
+              </a:schemeClr>
+            </a:gs>
+          </a:gsLst>
+          <a:lin ang="16200000" scaled="1"/>
+        </a:gradFill>
+        <a:gradFill rotWithShape="1">
+          <a:gsLst>
+            <a:gs pos="0">
+              <a:schemeClr val="phClr">
+                <a:tint val="100000"/>
+                <a:shade val="100000"/>
+                <a:satMod val="130000"/>
+              </a:schemeClr>
+            </a:gs>
+            <a:gs pos="100000">
+              <a:schemeClr val="phClr">
+                <a:tint val="50000"/>
+                <a:shade val="100000"/>
+                <a:satMod val="350000"/>
+              </a:schemeClr>
+            </a:gs>
+          </a:gsLst>
+          <a:lin ang="16200000" scaled="0"/>
+        </a:gradFill>
+      </a:fillStyleLst>
+      <a:lnStyleLst>
+        <a:ln w="9525" cap="flat" cmpd="sng" algn="ctr">
+          <a:solidFill>
+            <a:schemeClr val="phClr">
+              <a:shade val="95000"/>
+              <a:satMod val="105000"/>
+            </a:schemeClr>
+          </a:solidFill>
+          <a:prstDash val="solid"/>
+        </a:ln>
+        <a:ln w="25400" cap="flat" cmpd="sng" algn="ctr">
+          <a:solidFill>
+            <a:schemeClr val="phClr"/>
+          </a:solidFill>
+          <a:prstDash val="solid"/>
+        </a:ln>
+        <a:ln w="38100" cap="flat" cmpd="sng" algn="ctr">
+          <a:solidFill>
+            <a:schemeClr val="phClr"/>
+          </a:solidFill>
+          <a:prstDash val="solid"/>
+        </a:ln>
+      </a:lnStyleLst>
+      <a:effectStyleLst>
+        <a:effectStyle>
+          <a:effectLst>
+            <a:outerShdw blurRad="40000" dist="20000" dir="5400000" rotWithShape="0">
+              <a:srgbClr val="000000">
+                <a:alpha val="38000"/>
+              </a:srgbClr>
+            </a:outerShdw>
+          </a:effectLst>
+        </a:effectStyle>
+        <a:effectStyle>
+          <a:effectLst>
+            <a:outerShdw blurRad="40000" dist="23000" dir="5400000" rotWithShape="0">
+              <a:srgbClr val="000000">
+                <a:alpha val="35000"/>
+              </a:srgbClr>
+            </a:outerShdw>
+          </a:effectLst>
+        </a:effectStyle>
+        <a:effectStyle>
+          <a:effectLst>
+            <a:outerShdw blurRad="40000" dist="23000" dir="5400000" rotWithShape="0">
+              <a:srgbClr val="000000">
+                <a:alpha val="35000"/>
+              </a:srgbClr>
+            </a:outerShdw>
+          </a:effectLst>
+          <a:scene3d>
+            <a:camera prst="orthographicFront">
+              <a:rot lat="0" lon="0" rev="0"/>
+            </a:camera>
+            <a:lightRig rig="threePt" dir="t">
+              <a:rot lat="0" lon="0" rev="1200000"/>
+            </a:lightRig>
+          </a:scene3d>
+          <a:sp3d>
+            <a:bevelT w="63500" h="25400"/>
+          </a:sp3d>
+        </a:effectStyle>
+      </a:effectStyleLst>
+      <a:bgFillStyleLst>
+        <a:solidFill>
+          <a:schemeClr val="phClr"/>
+        </a:solidFill>
+        <a:gradFill rotWithShape="1">
+          <a:gsLst>
+            <a:gs pos="0">
+              <a:schemeClr val="phClr">
+                <a:tint val="40000"/>
+                <a:satMod val="350000"/>
+              </a:schemeClr>
+            </a:gs>
+            <a:gs pos="40000">
+              <a:schemeClr val="phClr">
+                <a:tint val="45000"/>
+                <a:shade val="99000"/>
+                <a:satMod val="350000"/>
+              </a:schemeClr>
+            </a:gs>
+            <a:gs pos="100000">
+              <a:schemeClr val="phClr">
+                <a:shade val="20000"/>
+                <a:satMod val="255000"/>
+              </a:schemeClr>
+            </a:gs>
+          </a:gsLst>
+          <a:path path="circle">
+            <a:fillToRect l="50000" t="-80000" r="50000" b="180000"/>
+          </a:path>
+        </a:gradFill>
+        <a:gradFill rotWithShape="1">
+          <a:gsLst>
+            <a:gs pos="0">
+              <a:schemeClr val="phClr">
+                <a:tint val="80000"/>
+                <a:satMod val="300000"/>
+              </a:schemeClr>
+            </a:gs>
+            <a:gs pos="100000">
+              <a:schemeClr val="phClr">
+                <a:shade val="30000"/>
+                <a:satMod val="200000"/>
+              </a:schemeClr>
+            </a:gs>
+          </a:gsLst>
+          <a:path path="circle">
+            <a:fillToRect l="50000" t="50000" r="50000" b="50000"/>
+          </a:path>
+        </a:gradFill>
+      </a:bgFillStyleLst>
+    </a:fmtScheme>
+  </a:themeElements>
+</a:theme>
+</file>
+
+<file path=ppt/theme/theme2.xml><?xml version="1.0" encoding="utf-8"?>
 <a:theme xmlns:a="http://schemas.openxmlformats.org/drawingml/2006/main" xmlns:r="http://schemas.openxmlformats.org/officeDocument/2006/relationships" name="Custom Theme">
   <a:themeElements>
     <a:clrScheme name="Default">
@@ -11506,283 +12316,4 @@
     </a:fmtScheme>
   </a:themeElements>
 </a:theme>
-</file>
-
-<file path=ppt/theme/theme2.xml><?xml version="1.0" encoding="utf-8"?>
-<a:theme xmlns:a="http://schemas.openxmlformats.org/drawingml/2006/main" xmlns:r="http://schemas.openxmlformats.org/officeDocument/2006/relationships" name="simple-light-2">
-  <a:themeElements>
-    <a:clrScheme name="Simple Light">
-      <a:dk1>
-        <a:srgbClr val="000000"/>
-      </a:dk1>
-      <a:lt1>
-        <a:srgbClr val="FFFFFF"/>
-      </a:lt1>
-      <a:dk2>
-        <a:srgbClr val="595959"/>
-      </a:dk2>
-      <a:lt2>
-        <a:srgbClr val="EEEEEE"/>
-      </a:lt2>
-      <a:accent1>
-        <a:srgbClr val="FFAB40"/>
-      </a:accent1>
-      <a:accent2>
-        <a:srgbClr val="212121"/>
-      </a:accent2>
-      <a:accent3>
-        <a:srgbClr val="78909C"/>
-      </a:accent3>
-      <a:accent4>
-        <a:srgbClr val="FFAB40"/>
-      </a:accent4>
-      <a:accent5>
-        <a:srgbClr val="0097A7"/>
-      </a:accent5>
-      <a:accent6>
-        <a:srgbClr val="EEFF41"/>
-      </a:accent6>
-      <a:hlink>
-        <a:srgbClr val="0097A7"/>
-      </a:hlink>
-      <a:folHlink>
-        <a:srgbClr val="0097A7"/>
-      </a:folHlink>
-    </a:clrScheme>
-    <a:fontScheme name="Office">
-      <a:majorFont>
-        <a:latin typeface="Arial"/>
-        <a:ea typeface=""/>
-        <a:cs typeface=""/>
-        <a:font script="Jpan" typeface="ＭＳ Ｐゴシック"/>
-        <a:font script="Hang" typeface="맑은 고딕"/>
-        <a:font script="Hans" typeface="宋体"/>
-        <a:font script="Hant" typeface="新細明體"/>
-        <a:font script="Arab" typeface="Times New Roman"/>
-        <a:font script="Hebr" typeface="Times New Roman"/>
-        <a:font script="Thai" typeface="Angsana New"/>
-        <a:font script="Ethi" typeface="Nyala"/>
-        <a:font script="Beng" typeface="Vrinda"/>
-        <a:font script="Gujr" typeface="Shruti"/>
-        <a:font script="Khmr" typeface="MoolBoran"/>
-        <a:font script="Knda" typeface="Tunga"/>
-        <a:font script="Guru" typeface="Raavi"/>
-        <a:font script="Cans" typeface="Euphemia"/>
-        <a:font script="Cher" typeface="Plantagenet Cherokee"/>
-        <a:font script="Yiii" typeface="Microsoft Yi Baiti"/>
-        <a:font script="Tibt" typeface="Microsoft Himalaya"/>
-        <a:font script="Thaa" typeface="MV Boli"/>
-        <a:font script="Deva" typeface="Mangal"/>
-        <a:font script="Telu" typeface="Gautami"/>
-        <a:font script="Taml" typeface="Latha"/>
-        <a:font script="Syrc" typeface="Estrangelo Edessa"/>
-        <a:font script="Orya" typeface="Kalinga"/>
-        <a:font script="Mlym" typeface="Kartika"/>
-        <a:font script="Laoo" typeface="DokChampa"/>
-        <a:font script="Sinh" typeface="Iskoola Pota"/>
-        <a:font script="Mong" typeface="Mongolian Baiti"/>
-        <a:font script="Viet" typeface="Times New Roman"/>
-        <a:font script="Uigh" typeface="Microsoft Uighur"/>
-        <a:font script="Geor" typeface="Sylfaen"/>
-      </a:majorFont>
-      <a:minorFont>
-        <a:latin typeface="Arial"/>
-        <a:ea typeface=""/>
-        <a:cs typeface=""/>
-        <a:font script="Jpan" typeface="ＭＳ Ｐゴシック"/>
-        <a:font script="Hang" typeface="맑은 고딕"/>
-        <a:font script="Hans" typeface="宋体"/>
-        <a:font script="Hant" typeface="新細明體"/>
-        <a:font script="Arab" typeface="Arial"/>
-        <a:font script="Hebr" typeface="Arial"/>
-        <a:font script="Thai" typeface="Cordia New"/>
-        <a:font script="Ethi" typeface="Nyala"/>
-        <a:font script="Beng" typeface="Vrinda"/>
-        <a:font script="Gujr" typeface="Shruti"/>
-        <a:font script="Khmr" typeface="DaunPenh"/>
-        <a:font script="Knda" typeface="Tunga"/>
-        <a:font script="Guru" typeface="Raavi"/>
-        <a:font script="Cans" typeface="Euphemia"/>
-        <a:font script="Cher" typeface="Plantagenet Cherokee"/>
-        <a:font script="Yiii" typeface="Microsoft Yi Baiti"/>
-        <a:font script="Tibt" typeface="Microsoft Himalaya"/>
-        <a:font script="Thaa" typeface="MV Boli"/>
-        <a:font script="Deva" typeface="Mangal"/>
-        <a:font script="Telu" typeface="Gautami"/>
-        <a:font script="Taml" typeface="Latha"/>
-        <a:font script="Syrc" typeface="Estrangelo Edessa"/>
-        <a:font script="Orya" typeface="Kalinga"/>
-        <a:font script="Mlym" typeface="Kartika"/>
-        <a:font script="Laoo" typeface="DokChampa"/>
-        <a:font script="Sinh" typeface="Iskoola Pota"/>
-        <a:font script="Mong" typeface="Mongolian Baiti"/>
-        <a:font script="Viet" typeface="Arial"/>
-        <a:font script="Uigh" typeface="Microsoft Uighur"/>
-        <a:font script="Geor" typeface="Sylfaen"/>
-      </a:minorFont>
-    </a:fontScheme>
-    <a:fmtScheme name="Office">
-      <a:fillStyleLst>
-        <a:solidFill>
-          <a:schemeClr val="phClr"/>
-        </a:solidFill>
-        <a:gradFill rotWithShape="1">
-          <a:gsLst>
-            <a:gs pos="0">
-              <a:schemeClr val="phClr">
-                <a:tint val="50000"/>
-                <a:satMod val="300000"/>
-              </a:schemeClr>
-            </a:gs>
-            <a:gs pos="35000">
-              <a:schemeClr val="phClr">
-                <a:tint val="37000"/>
-                <a:satMod val="300000"/>
-              </a:schemeClr>
-            </a:gs>
-            <a:gs pos="100000">
-              <a:schemeClr val="phClr">
-                <a:tint val="15000"/>
-                <a:satMod val="350000"/>
-              </a:schemeClr>
-            </a:gs>
-          </a:gsLst>
-          <a:lin ang="16200000" scaled="1"/>
-        </a:gradFill>
-        <a:gradFill rotWithShape="1">
-          <a:gsLst>
-            <a:gs pos="0">
-              <a:schemeClr val="phClr">
-                <a:tint val="100000"/>
-                <a:shade val="100000"/>
-                <a:satMod val="130000"/>
-              </a:schemeClr>
-            </a:gs>
-            <a:gs pos="100000">
-              <a:schemeClr val="phClr">
-                <a:tint val="50000"/>
-                <a:shade val="100000"/>
-                <a:satMod val="350000"/>
-              </a:schemeClr>
-            </a:gs>
-          </a:gsLst>
-          <a:lin ang="16200000" scaled="0"/>
-        </a:gradFill>
-      </a:fillStyleLst>
-      <a:lnStyleLst>
-        <a:ln w="9525" cap="flat" cmpd="sng" algn="ctr">
-          <a:solidFill>
-            <a:schemeClr val="phClr">
-              <a:shade val="95000"/>
-              <a:satMod val="105000"/>
-            </a:schemeClr>
-          </a:solidFill>
-          <a:prstDash val="solid"/>
-        </a:ln>
-        <a:ln w="25400" cap="flat" cmpd="sng" algn="ctr">
-          <a:solidFill>
-            <a:schemeClr val="phClr"/>
-          </a:solidFill>
-          <a:prstDash val="solid"/>
-        </a:ln>
-        <a:ln w="38100" cap="flat" cmpd="sng" algn="ctr">
-          <a:solidFill>
-            <a:schemeClr val="phClr"/>
-          </a:solidFill>
-          <a:prstDash val="solid"/>
-        </a:ln>
-      </a:lnStyleLst>
-      <a:effectStyleLst>
-        <a:effectStyle>
-          <a:effectLst>
-            <a:outerShdw blurRad="40000" dist="20000" dir="5400000" rotWithShape="0">
-              <a:srgbClr val="000000">
-                <a:alpha val="38000"/>
-              </a:srgbClr>
-            </a:outerShdw>
-          </a:effectLst>
-        </a:effectStyle>
-        <a:effectStyle>
-          <a:effectLst>
-            <a:outerShdw blurRad="40000" dist="23000" dir="5400000" rotWithShape="0">
-              <a:srgbClr val="000000">
-                <a:alpha val="35000"/>
-              </a:srgbClr>
-            </a:outerShdw>
-          </a:effectLst>
-        </a:effectStyle>
-        <a:effectStyle>
-          <a:effectLst>
-            <a:outerShdw blurRad="40000" dist="23000" dir="5400000" rotWithShape="0">
-              <a:srgbClr val="000000">
-                <a:alpha val="35000"/>
-              </a:srgbClr>
-            </a:outerShdw>
-          </a:effectLst>
-          <a:scene3d>
-            <a:camera prst="orthographicFront">
-              <a:rot lat="0" lon="0" rev="0"/>
-            </a:camera>
-            <a:lightRig rig="threePt" dir="t">
-              <a:rot lat="0" lon="0" rev="1200000"/>
-            </a:lightRig>
-          </a:scene3d>
-          <a:sp3d>
-            <a:bevelT w="63500" h="25400"/>
-          </a:sp3d>
-        </a:effectStyle>
-      </a:effectStyleLst>
-      <a:bgFillStyleLst>
-        <a:solidFill>
-          <a:schemeClr val="phClr"/>
-        </a:solidFill>
-        <a:gradFill rotWithShape="1">
-          <a:gsLst>
-            <a:gs pos="0">
-              <a:schemeClr val="phClr">
-                <a:tint val="40000"/>
-                <a:satMod val="350000"/>
-              </a:schemeClr>
-            </a:gs>
-            <a:gs pos="40000">
-              <a:schemeClr val="phClr">
-                <a:tint val="45000"/>
-                <a:shade val="99000"/>
-                <a:satMod val="350000"/>
-              </a:schemeClr>
-            </a:gs>
-            <a:gs pos="100000">
-              <a:schemeClr val="phClr">
-                <a:shade val="20000"/>
-                <a:satMod val="255000"/>
-              </a:schemeClr>
-            </a:gs>
-          </a:gsLst>
-          <a:path path="circle">
-            <a:fillToRect l="50000" t="-80000" r="50000" b="180000"/>
-          </a:path>
-        </a:gradFill>
-        <a:gradFill rotWithShape="1">
-          <a:gsLst>
-            <a:gs pos="0">
-              <a:schemeClr val="phClr">
-                <a:tint val="80000"/>
-                <a:satMod val="300000"/>
-              </a:schemeClr>
-            </a:gs>
-            <a:gs pos="100000">
-              <a:schemeClr val="phClr">
-                <a:shade val="30000"/>
-                <a:satMod val="200000"/>
-              </a:schemeClr>
-            </a:gs>
-          </a:gsLst>
-          <a:path path="circle">
-            <a:fillToRect l="50000" t="50000" r="50000" b="50000"/>
-          </a:path>
-        </a:gradFill>
-      </a:bgFillStyleLst>
-    </a:fmtScheme>
-  </a:themeElements>
-</a:theme>
 </file>